--- a/Sailpoint Tutorial PPT/Identity Management.pptx
+++ b/Sailpoint Tutorial PPT/Identity Management.pptx
@@ -19,6 +19,8 @@
     <p:sldId id="268" r:id="rId13"/>
     <p:sldId id="269" r:id="rId14"/>
     <p:sldId id="271" r:id="rId15"/>
+    <p:sldId id="272" r:id="rId16"/>
+    <p:sldId id="273" r:id="rId17"/>
   </p:sldIdLst>
   <p:sldSz cx="12192000" cy="6858000"/>
   <p:notesSz cx="6858000" cy="9144000"/>
@@ -272,7 +274,7 @@
           <a:p>
             <a:fld id="{09F07506-D4BE-4279-B5A9-3F216A3F4B4C}" type="datetimeFigureOut">
               <a:rPr lang="en-US" smtClean="0"/>
-              <a:t>4/5/2020</a:t>
+              <a:t>4/15/2020</a:t>
             </a:fld>
             <a:endParaRPr lang="en-US"/>
           </a:p>
@@ -470,7 +472,7 @@
           <a:p>
             <a:fld id="{09F07506-D4BE-4279-B5A9-3F216A3F4B4C}" type="datetimeFigureOut">
               <a:rPr lang="en-US" smtClean="0"/>
-              <a:t>4/5/2020</a:t>
+              <a:t>4/15/2020</a:t>
             </a:fld>
             <a:endParaRPr lang="en-US"/>
           </a:p>
@@ -678,7 +680,7 @@
           <a:p>
             <a:fld id="{09F07506-D4BE-4279-B5A9-3F216A3F4B4C}" type="datetimeFigureOut">
               <a:rPr lang="en-US" smtClean="0"/>
-              <a:t>4/5/2020</a:t>
+              <a:t>4/15/2020</a:t>
             </a:fld>
             <a:endParaRPr lang="en-US"/>
           </a:p>
@@ -876,7 +878,7 @@
           <a:p>
             <a:fld id="{09F07506-D4BE-4279-B5A9-3F216A3F4B4C}" type="datetimeFigureOut">
               <a:rPr lang="en-US" smtClean="0"/>
-              <a:t>4/5/2020</a:t>
+              <a:t>4/15/2020</a:t>
             </a:fld>
             <a:endParaRPr lang="en-US"/>
           </a:p>
@@ -1151,7 +1153,7 @@
           <a:p>
             <a:fld id="{09F07506-D4BE-4279-B5A9-3F216A3F4B4C}" type="datetimeFigureOut">
               <a:rPr lang="en-US" smtClean="0"/>
-              <a:t>4/5/2020</a:t>
+              <a:t>4/15/2020</a:t>
             </a:fld>
             <a:endParaRPr lang="en-US"/>
           </a:p>
@@ -1416,7 +1418,7 @@
           <a:p>
             <a:fld id="{09F07506-D4BE-4279-B5A9-3F216A3F4B4C}" type="datetimeFigureOut">
               <a:rPr lang="en-US" smtClean="0"/>
-              <a:t>4/5/2020</a:t>
+              <a:t>4/15/2020</a:t>
             </a:fld>
             <a:endParaRPr lang="en-US"/>
           </a:p>
@@ -1828,7 +1830,7 @@
           <a:p>
             <a:fld id="{09F07506-D4BE-4279-B5A9-3F216A3F4B4C}" type="datetimeFigureOut">
               <a:rPr lang="en-US" smtClean="0"/>
-              <a:t>4/5/2020</a:t>
+              <a:t>4/15/2020</a:t>
             </a:fld>
             <a:endParaRPr lang="en-US"/>
           </a:p>
@@ -1969,7 +1971,7 @@
           <a:p>
             <a:fld id="{09F07506-D4BE-4279-B5A9-3F216A3F4B4C}" type="datetimeFigureOut">
               <a:rPr lang="en-US" smtClean="0"/>
-              <a:t>4/5/2020</a:t>
+              <a:t>4/15/2020</a:t>
             </a:fld>
             <a:endParaRPr lang="en-US"/>
           </a:p>
@@ -2082,7 +2084,7 @@
           <a:p>
             <a:fld id="{09F07506-D4BE-4279-B5A9-3F216A3F4B4C}" type="datetimeFigureOut">
               <a:rPr lang="en-US" smtClean="0"/>
-              <a:t>4/5/2020</a:t>
+              <a:t>4/15/2020</a:t>
             </a:fld>
             <a:endParaRPr lang="en-US"/>
           </a:p>
@@ -2393,7 +2395,7 @@
           <a:p>
             <a:fld id="{09F07506-D4BE-4279-B5A9-3F216A3F4B4C}" type="datetimeFigureOut">
               <a:rPr lang="en-US" smtClean="0"/>
-              <a:t>4/5/2020</a:t>
+              <a:t>4/15/2020</a:t>
             </a:fld>
             <a:endParaRPr lang="en-US"/>
           </a:p>
@@ -2681,7 +2683,7 @@
           <a:p>
             <a:fld id="{09F07506-D4BE-4279-B5A9-3F216A3F4B4C}" type="datetimeFigureOut">
               <a:rPr lang="en-US" smtClean="0"/>
-              <a:t>4/5/2020</a:t>
+              <a:t>4/15/2020</a:t>
             </a:fld>
             <a:endParaRPr lang="en-US"/>
           </a:p>
@@ -2922,7 +2924,7 @@
           <a:p>
             <a:fld id="{09F07506-D4BE-4279-B5A9-3F216A3F4B4C}" type="datetimeFigureOut">
               <a:rPr lang="en-US" smtClean="0"/>
-              <a:t>4/5/2020</a:t>
+              <a:t>4/15/2020</a:t>
             </a:fld>
             <a:endParaRPr lang="en-US"/>
           </a:p>
@@ -4536,7 +4538,7 @@
         <p:spPr>
           <a:xfrm>
             <a:off x="537328" y="1904214"/>
-            <a:ext cx="8792939" cy="2585323"/>
+            <a:ext cx="8792939" cy="4524315"/>
           </a:xfrm>
           <a:prstGeom prst="rect">
             <a:avLst/>
@@ -4555,7 +4557,7 @@
             </a:pPr>
             <a:r>
               <a:rPr lang="en-US" dirty="0"/>
-              <a:t>Role-Based Provisioning</a:t>
+              <a:t>Role-Based Provisioning without Entitlement Provision</a:t>
             </a:r>
           </a:p>
           <a:p>
@@ -4614,13 +4616,86 @@
             </a:r>
           </a:p>
           <a:p>
+            <a:pPr lvl="1"/>
+            <a:endParaRPr lang="en-US" dirty="0"/>
+          </a:p>
+          <a:p>
+            <a:pPr marL="285750" indent="-285750">
+              <a:buFont typeface="Wingdings" panose="05000000000000000000" pitchFamily="2" charset="2"/>
+              <a:buChar char="Ø"/>
+            </a:pPr>
+            <a:r>
+              <a:rPr lang="en-US" dirty="0"/>
+              <a:t>Role-Based Provisioning with Entitlement Provision</a:t>
+            </a:r>
+          </a:p>
+          <a:p>
             <a:pPr marL="742950" lvl="1" indent="-285750">
               <a:buFont typeface="Wingdings" panose="05000000000000000000" pitchFamily="2" charset="2"/>
               <a:buChar char="§"/>
             </a:pPr>
+            <a:r>
+              <a:rPr lang="en-US" dirty="0"/>
+              <a:t>Run </a:t>
+            </a:r>
+            <a:r>
+              <a:rPr lang="en-US" dirty="0" err="1"/>
+              <a:t>IQService</a:t>
+            </a:r>
             <a:endParaRPr lang="en-US" dirty="0"/>
           </a:p>
           <a:p>
+            <a:pPr marL="742950" lvl="1" indent="-285750">
+              <a:buFont typeface="Wingdings" panose="05000000000000000000" pitchFamily="2" charset="2"/>
+              <a:buChar char="§"/>
+            </a:pPr>
+            <a:r>
+              <a:rPr lang="en-US" dirty="0"/>
+              <a:t>Configure Active Directory application, set Provisioning Policy</a:t>
+            </a:r>
+          </a:p>
+          <a:p>
+            <a:pPr marL="742950" lvl="1" indent="-285750">
+              <a:buFont typeface="Wingdings" panose="05000000000000000000" pitchFamily="2" charset="2"/>
+              <a:buChar char="§"/>
+            </a:pPr>
+            <a:r>
+              <a:rPr lang="en-US" dirty="0"/>
+              <a:t>Aggregate groups from Active Director to create Entitlements</a:t>
+            </a:r>
+          </a:p>
+          <a:p>
+            <a:pPr marL="742950" lvl="1" indent="-285750">
+              <a:buFont typeface="Wingdings" panose="05000000000000000000" pitchFamily="2" charset="2"/>
+              <a:buChar char="§"/>
+            </a:pPr>
+            <a:r>
+              <a:rPr lang="en-US" dirty="0"/>
+              <a:t>Create IT roles from the Entitlements</a:t>
+            </a:r>
+          </a:p>
+          <a:p>
+            <a:pPr marL="742950" lvl="1" indent="-285750">
+              <a:buFont typeface="Wingdings" panose="05000000000000000000" pitchFamily="2" charset="2"/>
+              <a:buChar char="§"/>
+            </a:pPr>
+            <a:r>
+              <a:rPr lang="en-US" dirty="0"/>
+              <a:t>Create Business roles and assign corresponding IT roles as ‘Required Role’</a:t>
+            </a:r>
+          </a:p>
+          <a:p>
+            <a:pPr marL="742950" lvl="1" indent="-285750">
+              <a:buFont typeface="Wingdings" panose="05000000000000000000" pitchFamily="2" charset="2"/>
+              <a:buChar char="§"/>
+            </a:pPr>
+            <a:r>
+              <a:rPr lang="en-US" dirty="0"/>
+              <a:t>Create Business role’s Provisioning Policy</a:t>
+            </a:r>
+          </a:p>
+          <a:p>
+            <a:pPr lvl="1"/>
             <a:endParaRPr lang="en-US" dirty="0"/>
           </a:p>
           <a:p>
@@ -4632,6 +4707,599 @@
     <p:extLst>
       <p:ext uri="{BB962C8B-B14F-4D97-AF65-F5344CB8AC3E}">
         <p14:creationId xmlns:p14="http://schemas.microsoft.com/office/powerpoint/2010/main" val="3733841246"/>
+      </p:ext>
+    </p:extLst>
+  </p:cSld>
+  <p:clrMapOvr>
+    <a:masterClrMapping/>
+  </p:clrMapOvr>
+</p:sld>
+</file>
+
+<file path=ppt/slides/slide15.xml><?xml version="1.0" encoding="utf-8"?>
+<p:sld xmlns:a="http://schemas.openxmlformats.org/drawingml/2006/main" xmlns:r="http://schemas.openxmlformats.org/officeDocument/2006/relationships" xmlns:p="http://schemas.openxmlformats.org/presentationml/2006/main">
+  <p:cSld>
+    <p:spTree>
+      <p:nvGrpSpPr>
+        <p:cNvPr id="1" name=""/>
+        <p:cNvGrpSpPr/>
+        <p:nvPr/>
+      </p:nvGrpSpPr>
+      <p:grpSpPr>
+        <a:xfrm>
+          <a:off x="0" y="0"/>
+          <a:ext cx="0" cy="0"/>
+          <a:chOff x="0" y="0"/>
+          <a:chExt cx="0" cy="0"/>
+        </a:xfrm>
+      </p:grpSpPr>
+      <p:sp>
+        <p:nvSpPr>
+          <p:cNvPr id="2" name="Title 1">
+            <a:extLst>
+              <a:ext uri="{FF2B5EF4-FFF2-40B4-BE49-F238E27FC236}">
+                <a16:creationId xmlns:a16="http://schemas.microsoft.com/office/drawing/2014/main" id="{5A029833-5DFE-42EC-BC9C-95C0993182E7}"/>
+              </a:ext>
+            </a:extLst>
+          </p:cNvPr>
+          <p:cNvSpPr>
+            <a:spLocks noGrp="1"/>
+          </p:cNvSpPr>
+          <p:nvPr>
+            <p:ph type="title"/>
+          </p:nvPr>
+        </p:nvSpPr>
+        <p:spPr/>
+        <p:txBody>
+          <a:bodyPr>
+            <a:normAutofit/>
+          </a:bodyPr>
+          <a:lstStyle/>
+          <a:p>
+            <a:r>
+              <a:rPr lang="en-US" sz="3200" dirty="0">
+                <a:solidFill>
+                  <a:schemeClr val="accent1">
+                    <a:lumMod val="75000"/>
+                  </a:schemeClr>
+                </a:solidFill>
+              </a:rPr>
+              <a:t>Sailpoint IIQ Workflow/Business Process Overview</a:t>
+            </a:r>
+          </a:p>
+        </p:txBody>
+      </p:sp>
+      <p:sp>
+        <p:nvSpPr>
+          <p:cNvPr id="3" name="TextBox 2">
+            <a:extLst>
+              <a:ext uri="{FF2B5EF4-FFF2-40B4-BE49-F238E27FC236}">
+                <a16:creationId xmlns:a16="http://schemas.microsoft.com/office/drawing/2014/main" id="{D33CD974-77D6-4A51-9D45-335D42F4765E}"/>
+              </a:ext>
+            </a:extLst>
+          </p:cNvPr>
+          <p:cNvSpPr txBox="1"/>
+          <p:nvPr/>
+        </p:nvSpPr>
+        <p:spPr>
+          <a:xfrm>
+            <a:off x="537328" y="1904214"/>
+            <a:ext cx="8792939" cy="4524315"/>
+          </a:xfrm>
+          <a:prstGeom prst="rect">
+            <a:avLst/>
+          </a:prstGeom>
+          <a:noFill/>
+        </p:spPr>
+        <p:txBody>
+          <a:bodyPr wrap="square" rtlCol="0">
+            <a:spAutoFit/>
+          </a:bodyPr>
+          <a:lstStyle/>
+          <a:p>
+            <a:pPr marL="285750" indent="-285750">
+              <a:buFont typeface="Wingdings" panose="05000000000000000000" pitchFamily="2" charset="2"/>
+              <a:buChar char="Ø"/>
+            </a:pPr>
+            <a:r>
+              <a:rPr lang="en-US" dirty="0"/>
+              <a:t>Role based and Life Cycle Event based</a:t>
+            </a:r>
+          </a:p>
+          <a:p>
+            <a:endParaRPr lang="en-US" dirty="0"/>
+          </a:p>
+          <a:p>
+            <a:pPr marL="285750" indent="-285750">
+              <a:buFont typeface="Wingdings" panose="05000000000000000000" pitchFamily="2" charset="2"/>
+              <a:buChar char="Ø"/>
+            </a:pPr>
+            <a:r>
+              <a:rPr lang="en-US" dirty="0"/>
+              <a:t>Life Cycle Event</a:t>
+            </a:r>
+          </a:p>
+          <a:p>
+            <a:pPr marL="742950" lvl="1" indent="-285750">
+              <a:buFont typeface="Wingdings" panose="05000000000000000000" pitchFamily="2" charset="2"/>
+              <a:buChar char="§"/>
+            </a:pPr>
+            <a:r>
+              <a:rPr lang="en-US" dirty="0"/>
+              <a:t>Joiner</a:t>
+            </a:r>
+          </a:p>
+          <a:p>
+            <a:pPr marL="742950" lvl="1" indent="-285750">
+              <a:buFont typeface="Wingdings" panose="05000000000000000000" pitchFamily="2" charset="2"/>
+              <a:buChar char="§"/>
+            </a:pPr>
+            <a:r>
+              <a:rPr lang="en-US" dirty="0"/>
+              <a:t>Mover</a:t>
+            </a:r>
+          </a:p>
+          <a:p>
+            <a:pPr marL="742950" lvl="1" indent="-285750">
+              <a:buFont typeface="Wingdings" panose="05000000000000000000" pitchFamily="2" charset="2"/>
+              <a:buChar char="§"/>
+            </a:pPr>
+            <a:r>
+              <a:rPr lang="en-US" dirty="0"/>
+              <a:t>Leaver</a:t>
+            </a:r>
+          </a:p>
+          <a:p>
+            <a:pPr lvl="1"/>
+            <a:endParaRPr lang="en-US" dirty="0"/>
+          </a:p>
+          <a:p>
+            <a:pPr marL="285750" lvl="1" indent="-285750">
+              <a:buFont typeface="Wingdings" panose="05000000000000000000" pitchFamily="2" charset="2"/>
+              <a:buChar char="Ø"/>
+            </a:pPr>
+            <a:r>
+              <a:rPr lang="en-US" dirty="0"/>
+              <a:t>What is Workflows in </a:t>
+            </a:r>
+            <a:r>
+              <a:rPr lang="en-US" dirty="0" err="1"/>
+              <a:t>Sailpoint</a:t>
+            </a:r>
+            <a:r>
+              <a:rPr lang="en-US" dirty="0"/>
+              <a:t>?</a:t>
+            </a:r>
+          </a:p>
+          <a:p>
+            <a:pPr marL="742950" lvl="2" indent="-285750">
+              <a:buFont typeface="Wingdings" panose="05000000000000000000" pitchFamily="2" charset="2"/>
+              <a:buChar char="Ø"/>
+            </a:pPr>
+            <a:r>
+              <a:rPr lang="en-US" dirty="0"/>
+              <a:t>XML file containing a set of steps to perform specific task</a:t>
+            </a:r>
+          </a:p>
+          <a:p>
+            <a:pPr marL="285750" lvl="1" indent="-285750">
+              <a:buFont typeface="Wingdings" panose="05000000000000000000" pitchFamily="2" charset="2"/>
+              <a:buChar char="Ø"/>
+            </a:pPr>
+            <a:endParaRPr lang="en-US" dirty="0"/>
+          </a:p>
+          <a:p>
+            <a:pPr marL="285750" lvl="1" indent="-285750">
+              <a:buFont typeface="Wingdings" panose="05000000000000000000" pitchFamily="2" charset="2"/>
+              <a:buChar char="Ø"/>
+            </a:pPr>
+            <a:r>
+              <a:rPr lang="en-US" dirty="0"/>
+              <a:t>Triggering Events:</a:t>
+            </a:r>
+          </a:p>
+          <a:p>
+            <a:pPr marL="742950" lvl="1" indent="-285750">
+              <a:buFont typeface="Wingdings" panose="05000000000000000000" pitchFamily="2" charset="2"/>
+              <a:buChar char="§"/>
+            </a:pPr>
+            <a:r>
+              <a:rPr lang="en-US" dirty="0"/>
+              <a:t>Role creation or modification</a:t>
+            </a:r>
+          </a:p>
+          <a:p>
+            <a:pPr marL="742950" lvl="1" indent="-285750">
+              <a:buFont typeface="Wingdings" panose="05000000000000000000" pitchFamily="2" charset="2"/>
+              <a:buChar char="§"/>
+            </a:pPr>
+            <a:r>
+              <a:rPr lang="en-US" dirty="0"/>
+              <a:t>Account Group creation or modification</a:t>
+            </a:r>
+          </a:p>
+          <a:p>
+            <a:pPr marL="742950" lvl="1" indent="-285750">
+              <a:buFont typeface="Wingdings" panose="05000000000000000000" pitchFamily="2" charset="2"/>
+              <a:buChar char="§"/>
+            </a:pPr>
+            <a:r>
+              <a:rPr lang="en-US" dirty="0"/>
+              <a:t>Identity update</a:t>
+            </a:r>
+          </a:p>
+          <a:p>
+            <a:pPr marL="742950" lvl="1" indent="-285750">
+              <a:buFont typeface="Wingdings" panose="05000000000000000000" pitchFamily="2" charset="2"/>
+              <a:buChar char="§"/>
+            </a:pPr>
+            <a:r>
+              <a:rPr lang="en-US" dirty="0"/>
+              <a:t>Identity refresh</a:t>
+            </a:r>
+          </a:p>
+          <a:p>
+            <a:pPr marL="742950" lvl="1" indent="-285750">
+              <a:buFont typeface="Wingdings" panose="05000000000000000000" pitchFamily="2" charset="2"/>
+              <a:buChar char="§"/>
+            </a:pPr>
+            <a:r>
+              <a:rPr lang="en-US" dirty="0"/>
+              <a:t>Identity correlation</a:t>
+            </a:r>
+          </a:p>
+        </p:txBody>
+      </p:sp>
+      <p:pic>
+        <p:nvPicPr>
+          <p:cNvPr id="5" name="Picture 4">
+            <a:extLst>
+              <a:ext uri="{FF2B5EF4-FFF2-40B4-BE49-F238E27FC236}">
+                <a16:creationId xmlns:a16="http://schemas.microsoft.com/office/drawing/2014/main" id="{4FCF0691-118C-4389-A810-2D85646C954D}"/>
+              </a:ext>
+            </a:extLst>
+          </p:cNvPr>
+          <p:cNvPicPr/>
+          <p:nvPr/>
+        </p:nvPicPr>
+        <p:blipFill rotWithShape="1">
+          <a:blip r:embed="rId2"/>
+          <a:srcRect l="16755" t="28023" r="7738" b="23770"/>
+          <a:stretch/>
+        </p:blipFill>
+        <p:spPr bwMode="auto">
+          <a:xfrm>
+            <a:off x="4933797" y="1930030"/>
+            <a:ext cx="5262473" cy="1682344"/>
+          </a:xfrm>
+          <a:prstGeom prst="rect">
+            <a:avLst/>
+          </a:prstGeom>
+          <a:ln>
+            <a:noFill/>
+          </a:ln>
+          <a:extLst>
+            <a:ext uri="{53640926-AAD7-44D8-BBD7-CCE9431645EC}">
+              <a14:shadowObscured xmlns:a14="http://schemas.microsoft.com/office/drawing/2010/main"/>
+            </a:ext>
+          </a:extLst>
+        </p:spPr>
+      </p:pic>
+      <p:sp>
+        <p:nvSpPr>
+          <p:cNvPr id="6" name="TextBox 5">
+            <a:extLst>
+              <a:ext uri="{FF2B5EF4-FFF2-40B4-BE49-F238E27FC236}">
+                <a16:creationId xmlns:a16="http://schemas.microsoft.com/office/drawing/2014/main" id="{9EF49479-2FDE-464B-B9AC-E18DA45632AC}"/>
+              </a:ext>
+            </a:extLst>
+          </p:cNvPr>
+          <p:cNvSpPr txBox="1"/>
+          <p:nvPr/>
+        </p:nvSpPr>
+        <p:spPr>
+          <a:xfrm>
+            <a:off x="5099828" y="4887729"/>
+            <a:ext cx="5486891" cy="1754326"/>
+          </a:xfrm>
+          <a:prstGeom prst="rect">
+            <a:avLst/>
+          </a:prstGeom>
+          <a:noFill/>
+        </p:spPr>
+        <p:txBody>
+          <a:bodyPr wrap="square" rtlCol="0">
+            <a:spAutoFit/>
+          </a:bodyPr>
+          <a:lstStyle/>
+          <a:p>
+            <a:pPr marL="742950" lvl="1" indent="-285750">
+              <a:buFont typeface="Wingdings" panose="05000000000000000000" pitchFamily="2" charset="2"/>
+              <a:buChar char="§"/>
+            </a:pPr>
+            <a:r>
+              <a:rPr lang="en-US" dirty="0"/>
+              <a:t>Deferred role assignment, de-assignment</a:t>
+            </a:r>
+          </a:p>
+          <a:p>
+            <a:pPr marL="742950" lvl="1" indent="-285750">
+              <a:buFont typeface="Wingdings" panose="05000000000000000000" pitchFamily="2" charset="2"/>
+              <a:buChar char="§"/>
+            </a:pPr>
+            <a:r>
+              <a:rPr lang="en-US" dirty="0"/>
+              <a:t>Deferred role activation, deactivation</a:t>
+            </a:r>
+          </a:p>
+          <a:p>
+            <a:pPr marL="742950" lvl="1" indent="-285750">
+              <a:buFont typeface="Wingdings" panose="05000000000000000000" pitchFamily="2" charset="2"/>
+              <a:buChar char="§"/>
+            </a:pPr>
+            <a:r>
+              <a:rPr lang="en-US" dirty="0"/>
+              <a:t>Any Lifecycle Manager event</a:t>
+            </a:r>
+          </a:p>
+          <a:p>
+            <a:pPr marL="742950" lvl="1" indent="-285750">
+              <a:buFont typeface="Wingdings" panose="05000000000000000000" pitchFamily="2" charset="2"/>
+              <a:buChar char="§"/>
+            </a:pPr>
+            <a:r>
+              <a:rPr lang="en-US" dirty="0"/>
+              <a:t>Any Lifecycle Event (marked by changes to an Identity's attributes)</a:t>
+            </a:r>
+          </a:p>
+          <a:p>
+            <a:endParaRPr lang="en-US" dirty="0"/>
+          </a:p>
+        </p:txBody>
+      </p:sp>
+    </p:spTree>
+    <p:extLst>
+      <p:ext uri="{BB962C8B-B14F-4D97-AF65-F5344CB8AC3E}">
+        <p14:creationId xmlns:p14="http://schemas.microsoft.com/office/powerpoint/2010/main" val="359344082"/>
+      </p:ext>
+    </p:extLst>
+  </p:cSld>
+  <p:clrMapOvr>
+    <a:masterClrMapping/>
+  </p:clrMapOvr>
+</p:sld>
+</file>
+
+<file path=ppt/slides/slide16.xml><?xml version="1.0" encoding="utf-8"?>
+<p:sld xmlns:a="http://schemas.openxmlformats.org/drawingml/2006/main" xmlns:r="http://schemas.openxmlformats.org/officeDocument/2006/relationships" xmlns:p="http://schemas.openxmlformats.org/presentationml/2006/main">
+  <p:cSld>
+    <p:spTree>
+      <p:nvGrpSpPr>
+        <p:cNvPr id="1" name=""/>
+        <p:cNvGrpSpPr/>
+        <p:nvPr/>
+      </p:nvGrpSpPr>
+      <p:grpSpPr>
+        <a:xfrm>
+          <a:off x="0" y="0"/>
+          <a:ext cx="0" cy="0"/>
+          <a:chOff x="0" y="0"/>
+          <a:chExt cx="0" cy="0"/>
+        </a:xfrm>
+      </p:grpSpPr>
+      <p:sp>
+        <p:nvSpPr>
+          <p:cNvPr id="2" name="Title 1">
+            <a:extLst>
+              <a:ext uri="{FF2B5EF4-FFF2-40B4-BE49-F238E27FC236}">
+                <a16:creationId xmlns:a16="http://schemas.microsoft.com/office/drawing/2014/main" id="{5A029833-5DFE-42EC-BC9C-95C0993182E7}"/>
+              </a:ext>
+            </a:extLst>
+          </p:cNvPr>
+          <p:cNvSpPr>
+            <a:spLocks noGrp="1"/>
+          </p:cNvSpPr>
+          <p:nvPr>
+            <p:ph type="title"/>
+          </p:nvPr>
+        </p:nvSpPr>
+        <p:spPr/>
+        <p:txBody>
+          <a:bodyPr>
+            <a:normAutofit/>
+          </a:bodyPr>
+          <a:lstStyle/>
+          <a:p>
+            <a:r>
+              <a:rPr lang="en-US" sz="3200" dirty="0" err="1">
+                <a:solidFill>
+                  <a:schemeClr val="accent1">
+                    <a:lumMod val="75000"/>
+                  </a:schemeClr>
+                </a:solidFill>
+              </a:rPr>
+              <a:t>Sailpoint</a:t>
+            </a:r>
+            <a:r>
+              <a:rPr lang="en-US" sz="3200" dirty="0">
+                <a:solidFill>
+                  <a:schemeClr val="accent1">
+                    <a:lumMod val="75000"/>
+                  </a:schemeClr>
+                </a:solidFill>
+              </a:rPr>
+              <a:t> IIQ Workflow/Business Process Overview</a:t>
+            </a:r>
+          </a:p>
+        </p:txBody>
+      </p:sp>
+      <p:sp>
+        <p:nvSpPr>
+          <p:cNvPr id="3" name="TextBox 2">
+            <a:extLst>
+              <a:ext uri="{FF2B5EF4-FFF2-40B4-BE49-F238E27FC236}">
+                <a16:creationId xmlns:a16="http://schemas.microsoft.com/office/drawing/2014/main" id="{D33CD974-77D6-4A51-9D45-335D42F4765E}"/>
+              </a:ext>
+            </a:extLst>
+          </p:cNvPr>
+          <p:cNvSpPr txBox="1"/>
+          <p:nvPr/>
+        </p:nvSpPr>
+        <p:spPr>
+          <a:xfrm>
+            <a:off x="537328" y="1904214"/>
+            <a:ext cx="8792939" cy="3970318"/>
+          </a:xfrm>
+          <a:prstGeom prst="rect">
+            <a:avLst/>
+          </a:prstGeom>
+          <a:noFill/>
+        </p:spPr>
+        <p:txBody>
+          <a:bodyPr wrap="square" rtlCol="0">
+            <a:spAutoFit/>
+          </a:bodyPr>
+          <a:lstStyle/>
+          <a:p>
+            <a:pPr marL="285750" indent="-285750">
+              <a:buFont typeface="Wingdings" panose="05000000000000000000" pitchFamily="2" charset="2"/>
+              <a:buChar char="Ø"/>
+            </a:pPr>
+            <a:r>
+              <a:rPr lang="en-US" dirty="0"/>
+              <a:t>Workflow Trigger</a:t>
+            </a:r>
+          </a:p>
+          <a:p>
+            <a:pPr marL="742950" lvl="1" indent="-285750">
+              <a:buFont typeface="Wingdings" panose="05000000000000000000" pitchFamily="2" charset="2"/>
+              <a:buChar char="§"/>
+            </a:pPr>
+            <a:r>
+              <a:rPr lang="en-US" dirty="0"/>
+              <a:t>Lifecycle Manager Requests </a:t>
+            </a:r>
+          </a:p>
+          <a:p>
+            <a:pPr marL="742950" lvl="1" indent="-285750">
+              <a:buFont typeface="Wingdings" panose="05000000000000000000" pitchFamily="2" charset="2"/>
+              <a:buChar char="§"/>
+            </a:pPr>
+            <a:r>
+              <a:rPr lang="en-US" dirty="0"/>
+              <a:t>Lifecycle Events </a:t>
+            </a:r>
+          </a:p>
+          <a:p>
+            <a:pPr marL="742950" lvl="1" indent="-285750">
+              <a:buFont typeface="Wingdings" panose="05000000000000000000" pitchFamily="2" charset="2"/>
+              <a:buChar char="§"/>
+            </a:pPr>
+            <a:r>
+              <a:rPr lang="en-US" dirty="0"/>
+              <a:t>Non-LCM-related Events </a:t>
+            </a:r>
+          </a:p>
+          <a:p>
+            <a:pPr marL="742950" lvl="1" indent="-285750">
+              <a:buFont typeface="Wingdings" panose="05000000000000000000" pitchFamily="2" charset="2"/>
+              <a:buChar char="§"/>
+            </a:pPr>
+            <a:r>
+              <a:rPr lang="en-US" dirty="0"/>
+              <a:t>Identity Attribute Change </a:t>
+            </a:r>
+          </a:p>
+          <a:p>
+            <a:pPr marL="742950" lvl="1" indent="-285750">
+              <a:buFont typeface="Wingdings" panose="05000000000000000000" pitchFamily="2" charset="2"/>
+              <a:buChar char="§"/>
+            </a:pPr>
+            <a:r>
+              <a:rPr lang="en-US" dirty="0"/>
+              <a:t>Policy Violation </a:t>
+            </a:r>
+          </a:p>
+          <a:p>
+            <a:pPr lvl="1"/>
+            <a:endParaRPr lang="en-US" dirty="0"/>
+          </a:p>
+          <a:p>
+            <a:pPr marL="285750" indent="-285750">
+              <a:buFont typeface="Wingdings" panose="05000000000000000000" pitchFamily="2" charset="2"/>
+              <a:buChar char="Ø"/>
+            </a:pPr>
+            <a:r>
+              <a:rPr lang="en-US" dirty="0"/>
+              <a:t>LCM Types</a:t>
+            </a:r>
+          </a:p>
+          <a:p>
+            <a:pPr marL="742950" lvl="1" indent="-285750">
+              <a:buFont typeface="Wingdings" panose="05000000000000000000" pitchFamily="2" charset="2"/>
+              <a:buChar char="§"/>
+            </a:pPr>
+            <a:r>
+              <a:rPr lang="en-US" dirty="0"/>
+              <a:t>Identity Lifecycle </a:t>
+            </a:r>
+          </a:p>
+          <a:p>
+            <a:pPr marL="742950" lvl="1" indent="-285750">
+              <a:buFont typeface="Wingdings" panose="05000000000000000000" pitchFamily="2" charset="2"/>
+              <a:buChar char="§"/>
+            </a:pPr>
+            <a:r>
+              <a:rPr lang="en-US" dirty="0"/>
+              <a:t>Identity Update </a:t>
+            </a:r>
+          </a:p>
+          <a:p>
+            <a:pPr marL="742950" lvl="1" indent="-285750">
+              <a:buFont typeface="Wingdings" panose="05000000000000000000" pitchFamily="2" charset="2"/>
+              <a:buChar char="§"/>
+            </a:pPr>
+            <a:r>
+              <a:rPr lang="en-US" dirty="0"/>
+              <a:t>LCM Identity </a:t>
+            </a:r>
+          </a:p>
+          <a:p>
+            <a:pPr marL="742950" lvl="1" indent="-285750">
+              <a:buFont typeface="Wingdings" panose="05000000000000000000" pitchFamily="2" charset="2"/>
+              <a:buChar char="§"/>
+            </a:pPr>
+            <a:r>
+              <a:rPr lang="en-US" dirty="0"/>
+              <a:t>LCM Provisioning </a:t>
+            </a:r>
+          </a:p>
+          <a:p>
+            <a:pPr marL="742950" lvl="1" indent="-285750">
+              <a:buFont typeface="Wingdings" panose="05000000000000000000" pitchFamily="2" charset="2"/>
+              <a:buChar char="§"/>
+            </a:pPr>
+            <a:r>
+              <a:rPr lang="en-US" dirty="0"/>
+              <a:t>LCM Registration </a:t>
+            </a:r>
+          </a:p>
+          <a:p>
+            <a:pPr marL="742950" lvl="1" indent="-285750">
+              <a:buFont typeface="Wingdings" panose="05000000000000000000" pitchFamily="2" charset="2"/>
+              <a:buChar char="§"/>
+            </a:pPr>
+            <a:r>
+              <a:rPr lang="en-US" dirty="0"/>
+              <a:t>Subprocess</a:t>
+            </a:r>
+          </a:p>
+        </p:txBody>
+      </p:sp>
+    </p:spTree>
+    <p:extLst>
+      <p:ext uri="{BB962C8B-B14F-4D97-AF65-F5344CB8AC3E}">
+        <p14:creationId xmlns:p14="http://schemas.microsoft.com/office/powerpoint/2010/main" val="608299822"/>
       </p:ext>
     </p:extLst>
   </p:cSld>
